--- a/ABI/hw/hw5/assignment5.pptx
+++ b/ABI/hw/hw5/assignment5.pptx
@@ -15,6 +15,10 @@
     <p:sldId id="263" r:id="rId9"/>
     <p:sldId id="264" r:id="rId10"/>
     <p:sldId id="261" r:id="rId11"/>
+    <p:sldId id="266" r:id="rId12"/>
+    <p:sldId id="267" r:id="rId13"/>
+    <p:sldId id="269" r:id="rId14"/>
+    <p:sldId id="268" r:id="rId15"/>
   </p:sldIdLst>
   <p:sldSz cx="12192000" cy="6858000"/>
   <p:notesSz cx="6858000" cy="9144000"/>
@@ -113,6 +117,11 @@
       </a:defRPr>
     </a:lvl9pPr>
   </p:defaultTextStyle>
+  <p:extLst>
+    <p:ext uri="{EFAFB233-063F-42B5-8137-9DF3F51BA10A}">
+      <p15:sldGuideLst xmlns:p15="http://schemas.microsoft.com/office/powerpoint/2012/main"/>
+    </p:ext>
+  </p:extLst>
 </p:presentation>
 </file>
 
@@ -346,7 +355,7 @@
             <a:fld id="{B61BEF0D-F0BB-DE4B-95CE-6DB70DBA9567}" type="datetimeFigureOut">
               <a:rPr lang="en-US" dirty="0"/>
               <a:pPr/>
-              <a:t>12/8/21</a:t>
+              <a:t>12/10/21</a:t>
             </a:fld>
             <a:endParaRPr lang="en-US" dirty="0"/>
           </a:p>
@@ -677,7 +686,7 @@
             <a:fld id="{B61BEF0D-F0BB-DE4B-95CE-6DB70DBA9567}" type="datetimeFigureOut">
               <a:rPr lang="en-US" dirty="0"/>
               <a:pPr/>
-              <a:t>12/8/21</a:t>
+              <a:t>12/10/21</a:t>
             </a:fld>
             <a:endParaRPr lang="en-US" dirty="0"/>
           </a:p>
@@ -952,7 +961,7 @@
             <a:fld id="{B61BEF0D-F0BB-DE4B-95CE-6DB70DBA9567}" type="datetimeFigureOut">
               <a:rPr lang="en-US" dirty="0"/>
               <a:pPr/>
-              <a:t>12/8/21</a:t>
+              <a:t>12/10/21</a:t>
             </a:fld>
             <a:endParaRPr lang="en-US" dirty="0"/>
           </a:p>
@@ -1517,7 +1526,7 @@
             <a:fld id="{B61BEF0D-F0BB-DE4B-95CE-6DB70DBA9567}" type="datetimeFigureOut">
               <a:rPr lang="en-US" dirty="0"/>
               <a:pPr/>
-              <a:t>12/8/21</a:t>
+              <a:t>12/10/21</a:t>
             </a:fld>
             <a:endParaRPr lang="en-US" dirty="0"/>
           </a:p>
@@ -1792,7 +1801,7 @@
             <a:fld id="{B61BEF0D-F0BB-DE4B-95CE-6DB70DBA9567}" type="datetimeFigureOut">
               <a:rPr lang="en-US" dirty="0"/>
               <a:pPr/>
-              <a:t>12/8/21</a:t>
+              <a:t>12/10/21</a:t>
             </a:fld>
             <a:endParaRPr lang="en-US" dirty="0"/>
           </a:p>
@@ -2351,7 +2360,7 @@
             <a:fld id="{B61BEF0D-F0BB-DE4B-95CE-6DB70DBA9567}" type="datetimeFigureOut">
               <a:rPr lang="en-US" dirty="0"/>
               <a:pPr/>
-              <a:t>12/8/21</a:t>
+              <a:t>12/10/21</a:t>
             </a:fld>
             <a:endParaRPr lang="en-US" dirty="0"/>
           </a:p>
@@ -2675,7 +2684,7 @@
             <a:fld id="{B61BEF0D-F0BB-DE4B-95CE-6DB70DBA9567}" type="datetimeFigureOut">
               <a:rPr lang="en-US" dirty="0"/>
               <a:pPr/>
-              <a:t>12/8/21</a:t>
+              <a:t>12/10/21</a:t>
             </a:fld>
             <a:endParaRPr lang="en-US" dirty="0"/>
           </a:p>
@@ -2849,7 +2858,7 @@
             <a:fld id="{B61BEF0D-F0BB-DE4B-95CE-6DB70DBA9567}" type="datetimeFigureOut">
               <a:rPr lang="en-US" dirty="0"/>
               <a:pPr/>
-              <a:t>12/8/21</a:t>
+              <a:t>12/10/21</a:t>
             </a:fld>
             <a:endParaRPr lang="en-US" dirty="0"/>
           </a:p>
@@ -3084,7 +3093,7 @@
             <a:fld id="{B61BEF0D-F0BB-DE4B-95CE-6DB70DBA9567}" type="datetimeFigureOut">
               <a:rPr lang="en-US" dirty="0"/>
               <a:pPr/>
-              <a:t>12/8/21</a:t>
+              <a:t>12/10/21</a:t>
             </a:fld>
             <a:endParaRPr lang="en-US" dirty="0"/>
           </a:p>
@@ -3281,7 +3290,7 @@
             <a:fld id="{B61BEF0D-F0BB-DE4B-95CE-6DB70DBA9567}" type="datetimeFigureOut">
               <a:rPr lang="en-US" dirty="0"/>
               <a:pPr/>
-              <a:t>12/8/21</a:t>
+              <a:t>12/10/21</a:t>
             </a:fld>
             <a:endParaRPr lang="en-US" dirty="0"/>
           </a:p>
@@ -3554,7 +3563,7 @@
             <a:fld id="{B61BEF0D-F0BB-DE4B-95CE-6DB70DBA9567}" type="datetimeFigureOut">
               <a:rPr lang="en-US" dirty="0"/>
               <a:pPr/>
-              <a:t>12/8/21</a:t>
+              <a:t>12/10/21</a:t>
             </a:fld>
             <a:endParaRPr lang="en-US" dirty="0"/>
           </a:p>
@@ -3817,7 +3826,7 @@
             <a:fld id="{B61BEF0D-F0BB-DE4B-95CE-6DB70DBA9567}" type="datetimeFigureOut">
               <a:rPr lang="en-US" dirty="0"/>
               <a:pPr/>
-              <a:t>12/8/21</a:t>
+              <a:t>12/10/21</a:t>
             </a:fld>
             <a:endParaRPr lang="en-US" dirty="0"/>
           </a:p>
@@ -4188,7 +4197,7 @@
             <a:fld id="{B61BEF0D-F0BB-DE4B-95CE-6DB70DBA9567}" type="datetimeFigureOut">
               <a:rPr lang="en-US" dirty="0"/>
               <a:pPr/>
-              <a:t>12/8/21</a:t>
+              <a:t>12/10/21</a:t>
             </a:fld>
             <a:endParaRPr lang="en-US" dirty="0"/>
           </a:p>
@@ -4333,7 +4342,7 @@
             <a:fld id="{B61BEF0D-F0BB-DE4B-95CE-6DB70DBA9567}" type="datetimeFigureOut">
               <a:rPr lang="en-US" dirty="0"/>
               <a:pPr/>
-              <a:t>12/8/21</a:t>
+              <a:t>12/10/21</a:t>
             </a:fld>
             <a:endParaRPr lang="en-US" dirty="0"/>
           </a:p>
@@ -4455,7 +4464,7 @@
             <a:fld id="{B61BEF0D-F0BB-DE4B-95CE-6DB70DBA9567}" type="datetimeFigureOut">
               <a:rPr lang="en-US" dirty="0"/>
               <a:pPr/>
-              <a:t>12/8/21</a:t>
+              <a:t>12/10/21</a:t>
             </a:fld>
             <a:endParaRPr lang="en-US" dirty="0"/>
           </a:p>
@@ -4737,7 +4746,7 @@
             <a:fld id="{B61BEF0D-F0BB-DE4B-95CE-6DB70DBA9567}" type="datetimeFigureOut">
               <a:rPr lang="en-US" dirty="0"/>
               <a:pPr/>
-              <a:t>12/8/21</a:t>
+              <a:t>12/10/21</a:t>
             </a:fld>
             <a:endParaRPr lang="en-US" dirty="0"/>
           </a:p>
@@ -5058,7 +5067,7 @@
             <a:fld id="{B61BEF0D-F0BB-DE4B-95CE-6DB70DBA9567}" type="datetimeFigureOut">
               <a:rPr lang="en-US" dirty="0"/>
               <a:pPr/>
-              <a:t>12/8/21</a:t>
+              <a:t>12/10/21</a:t>
             </a:fld>
             <a:endParaRPr lang="en-US" dirty="0"/>
           </a:p>
@@ -5269,7 +5278,7 @@
             <a:fld id="{B61BEF0D-F0BB-DE4B-95CE-6DB70DBA9567}" type="datetimeFigureOut">
               <a:rPr lang="en-US" dirty="0"/>
               <a:pPr/>
-              <a:t>12/8/21</a:t>
+              <a:t>12/10/21</a:t>
             </a:fld>
             <a:endParaRPr lang="en-US" dirty="0"/>
           </a:p>
@@ -5906,19 +5915,1446 @@
             <p:ph idx="1"/>
           </p:nvPr>
         </p:nvSpPr>
-        <p:spPr/>
+        <p:spPr>
+          <a:xfrm>
+            <a:off x="8049534" y="518160"/>
+            <a:ext cx="3689075" cy="6339839"/>
+          </a:xfrm>
+        </p:spPr>
         <p:txBody>
           <a:bodyPr/>
           <a:lstStyle/>
           <a:p>
-            <a:endParaRPr lang="en-US"/>
-          </a:p>
-        </p:txBody>
-      </p:sp>
+            <a:r>
+              <a:rPr lang="en-US" altLang="zh-CN" dirty="0"/>
+              <a:t>For</a:t>
+            </a:r>
+            <a:r>
+              <a:rPr lang="zh-CN" altLang="en-US" dirty="0"/>
+              <a:t> </a:t>
+            </a:r>
+            <a:r>
+              <a:rPr lang="en-US" altLang="zh-CN" dirty="0"/>
+              <a:t>the</a:t>
+            </a:r>
+            <a:r>
+              <a:rPr lang="zh-CN" altLang="en-US" dirty="0"/>
+              <a:t> </a:t>
+            </a:r>
+            <a:r>
+              <a:rPr lang="en-US" altLang="zh-CN" dirty="0" err="1"/>
+              <a:t>glu</a:t>
+            </a:r>
+            <a:r>
+              <a:rPr lang="en-US" altLang="zh-CN" dirty="0"/>
+              <a:t>,</a:t>
+            </a:r>
+            <a:r>
+              <a:rPr lang="zh-CN" altLang="en-US" dirty="0"/>
+              <a:t> </a:t>
+            </a:r>
+            <a:r>
+              <a:rPr lang="en-US" altLang="zh-CN" dirty="0"/>
+              <a:t>it</a:t>
+            </a:r>
+            <a:r>
+              <a:rPr lang="zh-CN" altLang="en-US" dirty="0"/>
+              <a:t> </a:t>
+            </a:r>
+            <a:r>
+              <a:rPr lang="en-US" altLang="zh-CN" dirty="0"/>
+              <a:t>remain</a:t>
+            </a:r>
+            <a:r>
+              <a:rPr lang="zh-CN" altLang="en-US" dirty="0"/>
+              <a:t> </a:t>
+            </a:r>
+            <a:r>
+              <a:rPr lang="en-US" altLang="zh-CN" dirty="0"/>
+              <a:t>in</a:t>
+            </a:r>
+            <a:r>
+              <a:rPr lang="zh-CN" altLang="en-US" dirty="0"/>
+              <a:t> </a:t>
+            </a:r>
+            <a:r>
+              <a:rPr lang="en-US" altLang="zh-CN" dirty="0"/>
+              <a:t>a</a:t>
+            </a:r>
+            <a:r>
+              <a:rPr lang="zh-CN" altLang="en-US" dirty="0"/>
+              <a:t> </a:t>
+            </a:r>
+            <a:r>
+              <a:rPr lang="en-US" altLang="zh-CN" dirty="0"/>
+              <a:t>reasonable</a:t>
+            </a:r>
+            <a:r>
+              <a:rPr lang="zh-CN" altLang="en-US" dirty="0"/>
+              <a:t> </a:t>
+            </a:r>
+            <a:r>
+              <a:rPr lang="en-US" altLang="zh-CN" dirty="0"/>
+              <a:t>increasing</a:t>
+            </a:r>
+            <a:r>
+              <a:rPr lang="zh-CN" altLang="en-US" dirty="0"/>
+              <a:t> </a:t>
+            </a:r>
+            <a:r>
+              <a:rPr lang="en-US" altLang="zh-CN" dirty="0"/>
+              <a:t>chance</a:t>
+            </a:r>
+            <a:r>
+              <a:rPr lang="zh-CN" altLang="en-US" dirty="0"/>
+              <a:t> </a:t>
+            </a:r>
+            <a:r>
+              <a:rPr lang="en-US" altLang="zh-CN" dirty="0"/>
+              <a:t>of</a:t>
+            </a:r>
+            <a:r>
+              <a:rPr lang="zh-CN" altLang="en-US" dirty="0"/>
+              <a:t> </a:t>
+            </a:r>
+            <a:r>
+              <a:rPr lang="en-US" altLang="zh-CN" dirty="0"/>
+              <a:t>getting</a:t>
+            </a:r>
+            <a:r>
+              <a:rPr lang="zh-CN" altLang="en-US" dirty="0"/>
+              <a:t> </a:t>
+            </a:r>
+            <a:r>
+              <a:rPr lang="en-US" altLang="zh-CN" dirty="0"/>
+              <a:t>diabetes,</a:t>
+            </a:r>
+            <a:r>
+              <a:rPr lang="zh-CN" altLang="en-US" dirty="0"/>
+              <a:t> </a:t>
+            </a:r>
+            <a:r>
+              <a:rPr lang="en-US" altLang="zh-CN" dirty="0"/>
+              <a:t>but</a:t>
+            </a:r>
+            <a:r>
+              <a:rPr lang="zh-CN" altLang="en-US" dirty="0"/>
+              <a:t> </a:t>
+            </a:r>
+            <a:r>
+              <a:rPr lang="en-US" altLang="zh-CN" dirty="0"/>
+              <a:t>after</a:t>
+            </a:r>
+            <a:r>
+              <a:rPr lang="zh-CN" altLang="en-US" dirty="0"/>
+              <a:t> </a:t>
+            </a:r>
+            <a:r>
+              <a:rPr lang="en-US" altLang="zh-CN" dirty="0"/>
+              <a:t>154</a:t>
+            </a:r>
+            <a:r>
+              <a:rPr lang="zh-CN" altLang="en-US" dirty="0"/>
+              <a:t> </a:t>
+            </a:r>
+            <a:r>
+              <a:rPr lang="en-US" altLang="zh-CN" dirty="0"/>
+              <a:t>it</a:t>
+            </a:r>
+            <a:r>
+              <a:rPr lang="zh-CN" altLang="en-US" dirty="0"/>
+              <a:t> </a:t>
+            </a:r>
+            <a:r>
+              <a:rPr lang="en-US" altLang="zh-CN" dirty="0"/>
+              <a:t>grows</a:t>
+            </a:r>
+            <a:r>
+              <a:rPr lang="zh-CN" altLang="en-US" dirty="0"/>
+              <a:t> </a:t>
+            </a:r>
+            <a:r>
+              <a:rPr lang="en-US" altLang="zh-CN" dirty="0"/>
+              <a:t>rapidly</a:t>
+            </a:r>
+            <a:r>
+              <a:rPr lang="zh-CN" altLang="en-US" dirty="0"/>
+              <a:t> </a:t>
+            </a:r>
+            <a:r>
+              <a:rPr lang="en-US" altLang="zh-CN" dirty="0"/>
+              <a:t>and</a:t>
+            </a:r>
+            <a:r>
+              <a:rPr lang="zh-CN" altLang="en-US" dirty="0"/>
+              <a:t> </a:t>
+            </a:r>
+            <a:r>
+              <a:rPr lang="en-US" altLang="zh-CN" dirty="0"/>
+              <a:t>it</a:t>
+            </a:r>
+            <a:r>
+              <a:rPr lang="zh-CN" altLang="en-US" dirty="0"/>
+              <a:t> </a:t>
+            </a:r>
+            <a:r>
+              <a:rPr lang="en-US" altLang="zh-CN" dirty="0"/>
+              <a:t>the</a:t>
+            </a:r>
+            <a:r>
+              <a:rPr lang="zh-CN" altLang="en-US" dirty="0"/>
+              <a:t> </a:t>
+            </a:r>
+            <a:r>
+              <a:rPr lang="en-US" altLang="zh-CN" dirty="0"/>
+              <a:t>first</a:t>
+            </a:r>
+            <a:r>
+              <a:rPr lang="zh-CN" altLang="en-US" dirty="0"/>
+              <a:t> </a:t>
+            </a:r>
+            <a:r>
+              <a:rPr lang="en-US" altLang="zh-CN" dirty="0"/>
+              <a:t>tree</a:t>
+            </a:r>
+            <a:r>
+              <a:rPr lang="zh-CN" altLang="en-US" dirty="0"/>
+              <a:t> </a:t>
+            </a:r>
+            <a:r>
+              <a:rPr lang="en-US" altLang="zh-CN" dirty="0"/>
+              <a:t>split</a:t>
+            </a:r>
+            <a:r>
+              <a:rPr lang="zh-CN" altLang="en-US" dirty="0"/>
+              <a:t> </a:t>
+            </a:r>
+            <a:r>
+              <a:rPr lang="en-US" altLang="zh-CN" dirty="0"/>
+              <a:t>condition.</a:t>
+            </a:r>
+            <a:endParaRPr lang="en-US" dirty="0"/>
+          </a:p>
+        </p:txBody>
+      </p:sp>
+      <p:pic>
+        <p:nvPicPr>
+          <p:cNvPr id="4" name="Picture 3">
+            <a:extLst>
+              <a:ext uri="{FF2B5EF4-FFF2-40B4-BE49-F238E27FC236}">
+                <a16:creationId xmlns:a16="http://schemas.microsoft.com/office/drawing/2014/main" id="{45E9B39D-621D-4947-9B38-361D5414C251}"/>
+              </a:ext>
+            </a:extLst>
+          </p:cNvPr>
+          <p:cNvPicPr>
+            <a:picLocks noChangeAspect="1"/>
+          </p:cNvPicPr>
+          <p:nvPr/>
+        </p:nvPicPr>
+        <p:blipFill>
+          <a:blip r:embed="rId2"/>
+          <a:stretch>
+            <a:fillRect/>
+          </a:stretch>
+        </p:blipFill>
+        <p:spPr>
+          <a:xfrm>
+            <a:off x="365761" y="1546860"/>
+            <a:ext cx="7363734" cy="3916680"/>
+          </a:xfrm>
+          <a:prstGeom prst="rect">
+            <a:avLst/>
+          </a:prstGeom>
+        </p:spPr>
+      </p:pic>
     </p:spTree>
     <p:extLst>
       <p:ext uri="{BB962C8B-B14F-4D97-AF65-F5344CB8AC3E}">
         <p14:creationId xmlns:p14="http://schemas.microsoft.com/office/powerpoint/2010/main" val="584104483"/>
+      </p:ext>
+    </p:extLst>
+  </p:cSld>
+  <p:clrMapOvr>
+    <a:masterClrMapping/>
+  </p:clrMapOvr>
+</p:sld>
+</file>
+
+<file path=ppt/slides/slide11.xml><?xml version="1.0" encoding="utf-8"?>
+<p:sld xmlns:a="http://schemas.openxmlformats.org/drawingml/2006/main" xmlns:r="http://schemas.openxmlformats.org/officeDocument/2006/relationships" xmlns:p="http://schemas.openxmlformats.org/presentationml/2006/main">
+  <p:cSld>
+    <p:spTree>
+      <p:nvGrpSpPr>
+        <p:cNvPr id="1" name=""/>
+        <p:cNvGrpSpPr/>
+        <p:nvPr/>
+      </p:nvGrpSpPr>
+      <p:grpSpPr>
+        <a:xfrm>
+          <a:off x="0" y="0"/>
+          <a:ext cx="0" cy="0"/>
+          <a:chOff x="0" y="0"/>
+          <a:chExt cx="0" cy="0"/>
+        </a:xfrm>
+      </p:grpSpPr>
+      <p:sp>
+        <p:nvSpPr>
+          <p:cNvPr id="2" name="Title 1">
+            <a:extLst>
+              <a:ext uri="{FF2B5EF4-FFF2-40B4-BE49-F238E27FC236}">
+                <a16:creationId xmlns:a16="http://schemas.microsoft.com/office/drawing/2014/main" id="{93823833-9DEE-5643-ADBD-2E715E3AC5C0}"/>
+              </a:ext>
+            </a:extLst>
+          </p:cNvPr>
+          <p:cNvSpPr>
+            <a:spLocks noGrp="1"/>
+          </p:cNvSpPr>
+          <p:nvPr>
+            <p:ph type="title"/>
+          </p:nvPr>
+        </p:nvSpPr>
+        <p:spPr/>
+        <p:txBody>
+          <a:bodyPr/>
+          <a:lstStyle/>
+          <a:p>
+            <a:endParaRPr lang="en-US"/>
+          </a:p>
+        </p:txBody>
+      </p:sp>
+      <p:sp>
+        <p:nvSpPr>
+          <p:cNvPr id="3" name="Content Placeholder 2">
+            <a:extLst>
+              <a:ext uri="{FF2B5EF4-FFF2-40B4-BE49-F238E27FC236}">
+                <a16:creationId xmlns:a16="http://schemas.microsoft.com/office/drawing/2014/main" id="{E137EC17-B7E9-9943-A4E3-0406264368E3}"/>
+              </a:ext>
+            </a:extLst>
+          </p:cNvPr>
+          <p:cNvSpPr>
+            <a:spLocks noGrp="1"/>
+          </p:cNvSpPr>
+          <p:nvPr>
+            <p:ph idx="1"/>
+          </p:nvPr>
+        </p:nvSpPr>
+        <p:spPr>
+          <a:xfrm>
+            <a:off x="7475220" y="609600"/>
+            <a:ext cx="3582036" cy="5539740"/>
+          </a:xfrm>
+        </p:spPr>
+        <p:txBody>
+          <a:bodyPr/>
+          <a:lstStyle/>
+          <a:p>
+            <a:r>
+              <a:rPr lang="en-US" altLang="zh-CN" dirty="0"/>
+              <a:t>Since</a:t>
+            </a:r>
+            <a:r>
+              <a:rPr lang="zh-CN" altLang="en-US" dirty="0"/>
+              <a:t> </a:t>
+            </a:r>
+            <a:r>
+              <a:rPr lang="en-US" altLang="zh-CN" dirty="0"/>
+              <a:t>age</a:t>
+            </a:r>
+            <a:r>
+              <a:rPr lang="zh-CN" altLang="en-US" dirty="0"/>
+              <a:t> </a:t>
+            </a:r>
+            <a:r>
+              <a:rPr lang="en-US" altLang="zh-CN" dirty="0"/>
+              <a:t>24,</a:t>
+            </a:r>
+            <a:r>
+              <a:rPr lang="zh-CN" altLang="en-US" dirty="0"/>
+              <a:t> </a:t>
+            </a:r>
+            <a:r>
+              <a:rPr lang="en-US" altLang="zh-CN" dirty="0"/>
+              <a:t>people</a:t>
+            </a:r>
+            <a:r>
+              <a:rPr lang="zh-CN" altLang="en-US" dirty="0"/>
+              <a:t> </a:t>
+            </a:r>
+            <a:r>
+              <a:rPr lang="en-US" altLang="zh-CN" dirty="0"/>
+              <a:t>start</a:t>
+            </a:r>
+            <a:r>
+              <a:rPr lang="zh-CN" altLang="en-US" dirty="0"/>
+              <a:t> </a:t>
+            </a:r>
+            <a:r>
+              <a:rPr lang="en-US" altLang="zh-CN" dirty="0"/>
+              <a:t>to</a:t>
+            </a:r>
+            <a:r>
+              <a:rPr lang="zh-CN" altLang="en-US" dirty="0"/>
+              <a:t> </a:t>
+            </a:r>
+            <a:r>
+              <a:rPr lang="en-US" altLang="zh-CN" dirty="0"/>
+              <a:t>have</a:t>
+            </a:r>
+            <a:r>
+              <a:rPr lang="zh-CN" altLang="en-US" dirty="0"/>
+              <a:t> </a:t>
+            </a:r>
+            <a:r>
+              <a:rPr lang="en-US" altLang="zh-CN" dirty="0"/>
+              <a:t>a</a:t>
+            </a:r>
+            <a:r>
+              <a:rPr lang="zh-CN" altLang="en-US" dirty="0"/>
+              <a:t> </a:t>
+            </a:r>
+            <a:r>
+              <a:rPr lang="en-US" altLang="zh-CN" dirty="0"/>
+              <a:t>growing</a:t>
+            </a:r>
+            <a:r>
+              <a:rPr lang="zh-CN" altLang="en-US" dirty="0"/>
+              <a:t> </a:t>
+            </a:r>
+            <a:r>
+              <a:rPr lang="en-US" altLang="zh-CN" dirty="0"/>
+              <a:t>trend</a:t>
+            </a:r>
+            <a:r>
+              <a:rPr lang="zh-CN" altLang="en-US" dirty="0"/>
+              <a:t> </a:t>
+            </a:r>
+            <a:r>
+              <a:rPr lang="en-US" altLang="zh-CN" dirty="0"/>
+              <a:t>of</a:t>
+            </a:r>
+            <a:r>
+              <a:rPr lang="zh-CN" altLang="en-US" dirty="0"/>
+              <a:t> </a:t>
+            </a:r>
+            <a:r>
+              <a:rPr lang="en-US" altLang="zh-CN" dirty="0"/>
+              <a:t>getting</a:t>
+            </a:r>
+            <a:r>
+              <a:rPr lang="zh-CN" altLang="en-US" dirty="0"/>
+              <a:t> </a:t>
+            </a:r>
+            <a:r>
+              <a:rPr lang="en-US" altLang="zh-CN" dirty="0"/>
+              <a:t>diabetes.</a:t>
+            </a:r>
+          </a:p>
+          <a:p>
+            <a:r>
+              <a:rPr lang="en-US" altLang="zh-CN" dirty="0"/>
+              <a:t>And</a:t>
+            </a:r>
+            <a:r>
+              <a:rPr lang="zh-CN" altLang="en-US" dirty="0"/>
+              <a:t> </a:t>
+            </a:r>
+            <a:r>
+              <a:rPr lang="en-US" altLang="zh-CN" dirty="0"/>
+              <a:t>the</a:t>
+            </a:r>
+            <a:r>
+              <a:rPr lang="zh-CN" altLang="en-US" dirty="0"/>
+              <a:t> </a:t>
+            </a:r>
+            <a:r>
+              <a:rPr lang="en-US" altLang="zh-CN" dirty="0"/>
+              <a:t>decision</a:t>
+            </a:r>
+            <a:r>
+              <a:rPr lang="zh-CN" altLang="en-US" dirty="0"/>
+              <a:t> </a:t>
+            </a:r>
+            <a:r>
+              <a:rPr lang="en-US" altLang="zh-CN" dirty="0"/>
+              <a:t>tree</a:t>
+            </a:r>
+            <a:r>
+              <a:rPr lang="zh-CN" altLang="en-US" dirty="0"/>
+              <a:t> </a:t>
+            </a:r>
+            <a:r>
+              <a:rPr lang="en-US" altLang="zh-CN" dirty="0"/>
+              <a:t>showed</a:t>
+            </a:r>
+            <a:r>
+              <a:rPr lang="zh-CN" altLang="en-US" dirty="0"/>
+              <a:t> </a:t>
+            </a:r>
+            <a:r>
+              <a:rPr lang="en-US" altLang="zh-CN" dirty="0"/>
+              <a:t>was</a:t>
+            </a:r>
+            <a:r>
+              <a:rPr lang="zh-CN" altLang="en-US" dirty="0"/>
+              <a:t> </a:t>
+            </a:r>
+            <a:r>
+              <a:rPr lang="en-US" altLang="zh-CN" dirty="0"/>
+              <a:t>25.5</a:t>
+            </a:r>
+            <a:endParaRPr lang="en-US" dirty="0"/>
+          </a:p>
+        </p:txBody>
+      </p:sp>
+      <p:pic>
+        <p:nvPicPr>
+          <p:cNvPr id="4" name="Picture 3">
+            <a:extLst>
+              <a:ext uri="{FF2B5EF4-FFF2-40B4-BE49-F238E27FC236}">
+                <a16:creationId xmlns:a16="http://schemas.microsoft.com/office/drawing/2014/main" id="{D5788CB7-C49F-3E44-91FC-58C8FFF3A580}"/>
+              </a:ext>
+            </a:extLst>
+          </p:cNvPr>
+          <p:cNvPicPr>
+            <a:picLocks noChangeAspect="1"/>
+          </p:cNvPicPr>
+          <p:nvPr/>
+        </p:nvPicPr>
+        <p:blipFill>
+          <a:blip r:embed="rId2"/>
+          <a:stretch>
+            <a:fillRect/>
+          </a:stretch>
+        </p:blipFill>
+        <p:spPr>
+          <a:xfrm>
+            <a:off x="217947" y="1656080"/>
+            <a:ext cx="7257273" cy="4230370"/>
+          </a:xfrm>
+          <a:prstGeom prst="rect">
+            <a:avLst/>
+          </a:prstGeom>
+        </p:spPr>
+      </p:pic>
+    </p:spTree>
+    <p:extLst>
+      <p:ext uri="{BB962C8B-B14F-4D97-AF65-F5344CB8AC3E}">
+        <p14:creationId xmlns:p14="http://schemas.microsoft.com/office/powerpoint/2010/main" val="444407637"/>
+      </p:ext>
+    </p:extLst>
+  </p:cSld>
+  <p:clrMapOvr>
+    <a:masterClrMapping/>
+  </p:clrMapOvr>
+</p:sld>
+</file>
+
+<file path=ppt/slides/slide12.xml><?xml version="1.0" encoding="utf-8"?>
+<p:sld xmlns:a="http://schemas.openxmlformats.org/drawingml/2006/main" xmlns:r="http://schemas.openxmlformats.org/officeDocument/2006/relationships" xmlns:p="http://schemas.openxmlformats.org/presentationml/2006/main">
+  <p:cSld>
+    <p:spTree>
+      <p:nvGrpSpPr>
+        <p:cNvPr id="1" name=""/>
+        <p:cNvGrpSpPr/>
+        <p:nvPr/>
+      </p:nvGrpSpPr>
+      <p:grpSpPr>
+        <a:xfrm>
+          <a:off x="0" y="0"/>
+          <a:ext cx="0" cy="0"/>
+          <a:chOff x="0" y="0"/>
+          <a:chExt cx="0" cy="0"/>
+        </a:xfrm>
+      </p:grpSpPr>
+      <p:sp>
+        <p:nvSpPr>
+          <p:cNvPr id="2" name="Title 1">
+            <a:extLst>
+              <a:ext uri="{FF2B5EF4-FFF2-40B4-BE49-F238E27FC236}">
+                <a16:creationId xmlns:a16="http://schemas.microsoft.com/office/drawing/2014/main" id="{DF2FA35A-C5A9-A549-8495-D71DEC79D9E2}"/>
+              </a:ext>
+            </a:extLst>
+          </p:cNvPr>
+          <p:cNvSpPr>
+            <a:spLocks noGrp="1"/>
+          </p:cNvSpPr>
+          <p:nvPr>
+            <p:ph type="title"/>
+          </p:nvPr>
+        </p:nvSpPr>
+        <p:spPr/>
+        <p:txBody>
+          <a:bodyPr/>
+          <a:lstStyle/>
+          <a:p>
+            <a:endParaRPr lang="en-US"/>
+          </a:p>
+        </p:txBody>
+      </p:sp>
+      <p:sp>
+        <p:nvSpPr>
+          <p:cNvPr id="3" name="Content Placeholder 2">
+            <a:extLst>
+              <a:ext uri="{FF2B5EF4-FFF2-40B4-BE49-F238E27FC236}">
+                <a16:creationId xmlns:a16="http://schemas.microsoft.com/office/drawing/2014/main" id="{7A273172-F12A-5440-8661-F1A7F0D809DD}"/>
+              </a:ext>
+            </a:extLst>
+          </p:cNvPr>
+          <p:cNvSpPr>
+            <a:spLocks noGrp="1"/>
+          </p:cNvSpPr>
+          <p:nvPr>
+            <p:ph idx="1"/>
+          </p:nvPr>
+        </p:nvSpPr>
+        <p:spPr>
+          <a:xfrm>
+            <a:off x="6525661" y="609601"/>
+            <a:ext cx="4291565" cy="5181600"/>
+          </a:xfrm>
+        </p:spPr>
+        <p:txBody>
+          <a:bodyPr/>
+          <a:lstStyle/>
+          <a:p>
+            <a:r>
+              <a:rPr lang="en-US" altLang="zh-CN" dirty="0"/>
+              <a:t>From</a:t>
+            </a:r>
+            <a:r>
+              <a:rPr lang="zh-CN" altLang="en-US" dirty="0"/>
+              <a:t> </a:t>
+            </a:r>
+            <a:r>
+              <a:rPr lang="en-US" altLang="zh-CN" dirty="0"/>
+              <a:t>the</a:t>
+            </a:r>
+            <a:r>
+              <a:rPr lang="zh-CN" altLang="en-US" dirty="0"/>
+              <a:t> </a:t>
+            </a:r>
+            <a:r>
+              <a:rPr lang="en-US" altLang="zh-CN" dirty="0"/>
+              <a:t>plot,</a:t>
+            </a:r>
+            <a:r>
+              <a:rPr lang="zh-CN" altLang="en-US" dirty="0"/>
+              <a:t> </a:t>
+            </a:r>
+            <a:r>
+              <a:rPr lang="en-US" altLang="zh-CN" dirty="0"/>
+              <a:t>we</a:t>
+            </a:r>
+            <a:r>
+              <a:rPr lang="zh-CN" altLang="en-US" dirty="0"/>
+              <a:t> </a:t>
+            </a:r>
+            <a:r>
+              <a:rPr lang="en-US" altLang="zh-CN" dirty="0"/>
+              <a:t>can</a:t>
+            </a:r>
+            <a:r>
+              <a:rPr lang="zh-CN" altLang="en-US" dirty="0"/>
+              <a:t> </a:t>
+            </a:r>
+            <a:r>
+              <a:rPr lang="en-US" altLang="zh-CN" dirty="0"/>
+              <a:t>tell</a:t>
+            </a:r>
+            <a:r>
+              <a:rPr lang="zh-CN" altLang="en-US" dirty="0"/>
+              <a:t> </a:t>
+            </a:r>
+            <a:r>
+              <a:rPr lang="en-US" altLang="zh-CN" dirty="0"/>
+              <a:t>that</a:t>
+            </a:r>
+            <a:r>
+              <a:rPr lang="zh-CN" altLang="en-US" dirty="0"/>
+              <a:t> </a:t>
+            </a:r>
+            <a:r>
+              <a:rPr lang="en-US" altLang="zh-CN" dirty="0"/>
+              <a:t>if</a:t>
+            </a:r>
+            <a:r>
+              <a:rPr lang="zh-CN" altLang="en-US" dirty="0"/>
+              <a:t> </a:t>
+            </a:r>
+            <a:r>
+              <a:rPr lang="en-US" altLang="zh-CN" dirty="0" err="1"/>
+              <a:t>ped</a:t>
+            </a:r>
+            <a:r>
+              <a:rPr lang="zh-CN" altLang="en-US" dirty="0"/>
+              <a:t> </a:t>
+            </a:r>
+            <a:r>
+              <a:rPr lang="en-US" altLang="zh-CN" dirty="0"/>
+              <a:t>if</a:t>
+            </a:r>
+            <a:r>
+              <a:rPr lang="zh-CN" altLang="en-US" dirty="0"/>
+              <a:t> </a:t>
+            </a:r>
+            <a:r>
+              <a:rPr lang="en-US" altLang="zh-CN" dirty="0"/>
+              <a:t>over</a:t>
+            </a:r>
+            <a:r>
+              <a:rPr lang="zh-CN" altLang="en-US" dirty="0"/>
+              <a:t> </a:t>
+            </a:r>
+            <a:r>
+              <a:rPr lang="en-US" altLang="zh-CN" dirty="0"/>
+              <a:t>something</a:t>
+            </a:r>
+            <a:r>
+              <a:rPr lang="zh-CN" altLang="en-US" dirty="0"/>
+              <a:t> </a:t>
+            </a:r>
+            <a:r>
+              <a:rPr lang="en-US" altLang="zh-CN" dirty="0"/>
+              <a:t>around</a:t>
+            </a:r>
+            <a:r>
+              <a:rPr lang="zh-CN" altLang="en-US" dirty="0"/>
+              <a:t> </a:t>
+            </a:r>
+            <a:r>
+              <a:rPr lang="en-US" altLang="zh-CN" dirty="0"/>
+              <a:t>50,</a:t>
+            </a:r>
+            <a:r>
+              <a:rPr lang="zh-CN" altLang="en-US" dirty="0"/>
+              <a:t> </a:t>
+            </a:r>
+            <a:r>
+              <a:rPr lang="en-US" altLang="zh-CN" dirty="0"/>
+              <a:t>you</a:t>
+            </a:r>
+            <a:r>
+              <a:rPr lang="zh-CN" altLang="en-US" dirty="0"/>
+              <a:t> </a:t>
+            </a:r>
+            <a:r>
+              <a:rPr lang="en-US" altLang="zh-CN" dirty="0"/>
+              <a:t>have</a:t>
+            </a:r>
+            <a:r>
+              <a:rPr lang="zh-CN" altLang="en-US" dirty="0"/>
+              <a:t> </a:t>
+            </a:r>
+            <a:r>
+              <a:rPr lang="en-US" altLang="zh-CN" dirty="0"/>
+              <a:t>higher</a:t>
+            </a:r>
+            <a:r>
+              <a:rPr lang="zh-CN" altLang="en-US" dirty="0"/>
+              <a:t> </a:t>
+            </a:r>
+            <a:r>
+              <a:rPr lang="en-US" altLang="zh-CN" dirty="0"/>
+              <a:t>chance</a:t>
+            </a:r>
+            <a:r>
+              <a:rPr lang="zh-CN" altLang="en-US" dirty="0"/>
+              <a:t> </a:t>
+            </a:r>
+            <a:r>
+              <a:rPr lang="en-US" altLang="zh-CN" dirty="0"/>
+              <a:t>to</a:t>
+            </a:r>
+            <a:r>
+              <a:rPr lang="zh-CN" altLang="en-US" dirty="0"/>
+              <a:t> </a:t>
+            </a:r>
+            <a:r>
+              <a:rPr lang="en-US" altLang="zh-CN" dirty="0"/>
+              <a:t>get</a:t>
+            </a:r>
+            <a:r>
+              <a:rPr lang="zh-CN" altLang="en-US" dirty="0"/>
+              <a:t> </a:t>
+            </a:r>
+            <a:r>
+              <a:rPr lang="en-US" altLang="zh-CN" dirty="0"/>
+              <a:t>diabetes.</a:t>
+            </a:r>
+          </a:p>
+          <a:p>
+            <a:r>
+              <a:rPr lang="en-US" altLang="zh-CN" dirty="0"/>
+              <a:t>But</a:t>
+            </a:r>
+            <a:r>
+              <a:rPr lang="zh-CN" altLang="en-US" dirty="0"/>
+              <a:t> </a:t>
+            </a:r>
+            <a:r>
+              <a:rPr lang="en-US" altLang="zh-CN" dirty="0"/>
+              <a:t>it</a:t>
+            </a:r>
+            <a:r>
+              <a:rPr lang="zh-CN" altLang="en-US" dirty="0"/>
+              <a:t> </a:t>
+            </a:r>
+            <a:r>
+              <a:rPr lang="en-US" altLang="zh-CN" dirty="0"/>
+              <a:t>is</a:t>
+            </a:r>
+            <a:r>
+              <a:rPr lang="zh-CN" altLang="en-US" dirty="0"/>
+              <a:t> </a:t>
+            </a:r>
+            <a:r>
+              <a:rPr lang="en-US" altLang="zh-CN" dirty="0"/>
+              <a:t>hard</a:t>
+            </a:r>
+            <a:r>
+              <a:rPr lang="zh-CN" altLang="en-US" dirty="0"/>
+              <a:t> </a:t>
+            </a:r>
+            <a:r>
+              <a:rPr lang="en-US" altLang="zh-CN" dirty="0"/>
+              <a:t>to</a:t>
+            </a:r>
+            <a:r>
+              <a:rPr lang="zh-CN" altLang="en-US" dirty="0"/>
+              <a:t> </a:t>
+            </a:r>
+            <a:r>
+              <a:rPr lang="en-US" altLang="zh-CN" dirty="0"/>
+              <a:t>get</a:t>
+            </a:r>
+            <a:r>
+              <a:rPr lang="zh-CN" altLang="en-US" dirty="0"/>
+              <a:t> </a:t>
+            </a:r>
+            <a:r>
+              <a:rPr lang="en-US" altLang="zh-CN" dirty="0"/>
+              <a:t>others’</a:t>
+            </a:r>
+            <a:r>
+              <a:rPr lang="zh-CN" altLang="en-US" dirty="0"/>
+              <a:t> </a:t>
+            </a:r>
+            <a:r>
+              <a:rPr lang="en-US" altLang="zh-CN" dirty="0"/>
+              <a:t>medical</a:t>
+            </a:r>
+            <a:r>
+              <a:rPr lang="zh-CN" altLang="en-US" dirty="0"/>
+              <a:t> </a:t>
+            </a:r>
+            <a:r>
+              <a:rPr lang="en-US" altLang="zh-CN" dirty="0"/>
+              <a:t>records</a:t>
+            </a:r>
+            <a:r>
+              <a:rPr lang="zh-CN" altLang="en-US" dirty="0"/>
+              <a:t> </a:t>
+            </a:r>
+            <a:r>
+              <a:rPr lang="en-US" altLang="zh-CN" dirty="0"/>
+              <a:t>so</a:t>
+            </a:r>
+            <a:r>
+              <a:rPr lang="zh-CN" altLang="en-US" dirty="0"/>
+              <a:t> </a:t>
+            </a:r>
+            <a:r>
+              <a:rPr lang="en-US" altLang="zh-CN" dirty="0"/>
+              <a:t>no</a:t>
+            </a:r>
+            <a:r>
+              <a:rPr lang="zh-CN" altLang="en-US" dirty="0"/>
+              <a:t> </a:t>
+            </a:r>
+            <a:r>
+              <a:rPr lang="en-US" altLang="zh-CN" dirty="0"/>
+              <a:t>suggestion</a:t>
+            </a:r>
+            <a:r>
+              <a:rPr lang="zh-CN" altLang="en-US" dirty="0"/>
+              <a:t> </a:t>
+            </a:r>
+            <a:r>
+              <a:rPr lang="en-US" altLang="zh-CN" dirty="0"/>
+              <a:t>on</a:t>
+            </a:r>
+            <a:r>
+              <a:rPr lang="zh-CN" altLang="en-US" dirty="0"/>
+              <a:t> </a:t>
+            </a:r>
+            <a:r>
+              <a:rPr lang="en-US" altLang="zh-CN" dirty="0"/>
+              <a:t>this</a:t>
+            </a:r>
+            <a:r>
+              <a:rPr lang="zh-CN" altLang="en-US" dirty="0"/>
+              <a:t> </a:t>
+            </a:r>
+            <a:r>
+              <a:rPr lang="en-US" altLang="zh-CN" dirty="0"/>
+              <a:t>variable.</a:t>
+            </a:r>
+            <a:endParaRPr lang="en-US" dirty="0"/>
+          </a:p>
+        </p:txBody>
+      </p:sp>
+      <p:pic>
+        <p:nvPicPr>
+          <p:cNvPr id="4" name="Picture 3">
+            <a:extLst>
+              <a:ext uri="{FF2B5EF4-FFF2-40B4-BE49-F238E27FC236}">
+                <a16:creationId xmlns:a16="http://schemas.microsoft.com/office/drawing/2014/main" id="{A11CAAC8-ADF8-2E49-9097-412CF597FC65}"/>
+              </a:ext>
+            </a:extLst>
+          </p:cNvPr>
+          <p:cNvPicPr>
+            <a:picLocks noChangeAspect="1"/>
+          </p:cNvPicPr>
+          <p:nvPr/>
+        </p:nvPicPr>
+        <p:blipFill>
+          <a:blip r:embed="rId2"/>
+          <a:stretch>
+            <a:fillRect/>
+          </a:stretch>
+        </p:blipFill>
+        <p:spPr>
+          <a:xfrm>
+            <a:off x="539750" y="609600"/>
+            <a:ext cx="5839860" cy="2759710"/>
+          </a:xfrm>
+          <a:prstGeom prst="rect">
+            <a:avLst/>
+          </a:prstGeom>
+        </p:spPr>
+      </p:pic>
+      <p:pic>
+        <p:nvPicPr>
+          <p:cNvPr id="5" name="Picture 4">
+            <a:extLst>
+              <a:ext uri="{FF2B5EF4-FFF2-40B4-BE49-F238E27FC236}">
+                <a16:creationId xmlns:a16="http://schemas.microsoft.com/office/drawing/2014/main" id="{99371F79-D21D-F341-A099-1FE670F55E0D}"/>
+              </a:ext>
+            </a:extLst>
+          </p:cNvPr>
+          <p:cNvPicPr>
+            <a:picLocks noChangeAspect="1"/>
+          </p:cNvPicPr>
+          <p:nvPr/>
+        </p:nvPicPr>
+        <p:blipFill>
+          <a:blip r:embed="rId3"/>
+          <a:stretch>
+            <a:fillRect/>
+          </a:stretch>
+        </p:blipFill>
+        <p:spPr>
+          <a:xfrm>
+            <a:off x="539750" y="3573780"/>
+            <a:ext cx="5472809" cy="2835910"/>
+          </a:xfrm>
+          <a:prstGeom prst="rect">
+            <a:avLst/>
+          </a:prstGeom>
+        </p:spPr>
+      </p:pic>
+    </p:spTree>
+    <p:extLst>
+      <p:ext uri="{BB962C8B-B14F-4D97-AF65-F5344CB8AC3E}">
+        <p14:creationId xmlns:p14="http://schemas.microsoft.com/office/powerpoint/2010/main" val="1960437425"/>
+      </p:ext>
+    </p:extLst>
+  </p:cSld>
+  <p:clrMapOvr>
+    <a:masterClrMapping/>
+  </p:clrMapOvr>
+</p:sld>
+</file>
+
+<file path=ppt/slides/slide13.xml><?xml version="1.0" encoding="utf-8"?>
+<p:sld xmlns:a="http://schemas.openxmlformats.org/drawingml/2006/main" xmlns:r="http://schemas.openxmlformats.org/officeDocument/2006/relationships" xmlns:p="http://schemas.openxmlformats.org/presentationml/2006/main">
+  <p:cSld>
+    <p:spTree>
+      <p:nvGrpSpPr>
+        <p:cNvPr id="1" name=""/>
+        <p:cNvGrpSpPr/>
+        <p:nvPr/>
+      </p:nvGrpSpPr>
+      <p:grpSpPr>
+        <a:xfrm>
+          <a:off x="0" y="0"/>
+          <a:ext cx="0" cy="0"/>
+          <a:chOff x="0" y="0"/>
+          <a:chExt cx="0" cy="0"/>
+        </a:xfrm>
+      </p:grpSpPr>
+      <p:sp>
+        <p:nvSpPr>
+          <p:cNvPr id="2" name="Title 1">
+            <a:extLst>
+              <a:ext uri="{FF2B5EF4-FFF2-40B4-BE49-F238E27FC236}">
+                <a16:creationId xmlns:a16="http://schemas.microsoft.com/office/drawing/2014/main" id="{ACBCED5D-838B-C44E-B854-F294EED6B25E}"/>
+              </a:ext>
+            </a:extLst>
+          </p:cNvPr>
+          <p:cNvSpPr>
+            <a:spLocks noGrp="1"/>
+          </p:cNvSpPr>
+          <p:nvPr>
+            <p:ph type="title"/>
+          </p:nvPr>
+        </p:nvSpPr>
+        <p:spPr/>
+        <p:txBody>
+          <a:bodyPr/>
+          <a:lstStyle/>
+          <a:p>
+            <a:endParaRPr lang="en-US"/>
+          </a:p>
+        </p:txBody>
+      </p:sp>
+      <p:sp>
+        <p:nvSpPr>
+          <p:cNvPr id="3" name="Content Placeholder 2">
+            <a:extLst>
+              <a:ext uri="{FF2B5EF4-FFF2-40B4-BE49-F238E27FC236}">
+                <a16:creationId xmlns:a16="http://schemas.microsoft.com/office/drawing/2014/main" id="{5A8CA965-8248-5445-A106-93F775101CF6}"/>
+              </a:ext>
+            </a:extLst>
+          </p:cNvPr>
+          <p:cNvSpPr>
+            <a:spLocks noGrp="1"/>
+          </p:cNvSpPr>
+          <p:nvPr>
+            <p:ph idx="1"/>
+          </p:nvPr>
+        </p:nvSpPr>
+        <p:spPr>
+          <a:xfrm>
+            <a:off x="7383780" y="697231"/>
+            <a:ext cx="3433446" cy="5093970"/>
+          </a:xfrm>
+        </p:spPr>
+        <p:txBody>
+          <a:bodyPr/>
+          <a:lstStyle/>
+          <a:p>
+            <a:r>
+              <a:rPr lang="en-US" altLang="zh-CN" dirty="0"/>
+              <a:t>Since</a:t>
+            </a:r>
+            <a:r>
+              <a:rPr lang="zh-CN" altLang="en-US" dirty="0"/>
+              <a:t> </a:t>
+            </a:r>
+            <a:r>
+              <a:rPr lang="en-US" altLang="zh-CN" dirty="0" err="1"/>
+              <a:t>nperg</a:t>
+            </a:r>
+            <a:r>
+              <a:rPr lang="en-US" altLang="zh-CN" dirty="0"/>
+              <a:t>,</a:t>
+            </a:r>
+            <a:r>
+              <a:rPr lang="zh-CN" altLang="en-US" dirty="0"/>
+              <a:t> </a:t>
+            </a:r>
+            <a:r>
+              <a:rPr lang="en-US" altLang="zh-CN" dirty="0"/>
+              <a:t>skin</a:t>
+            </a:r>
+            <a:r>
+              <a:rPr lang="zh-CN" altLang="en-US" dirty="0"/>
+              <a:t> </a:t>
+            </a:r>
+            <a:r>
+              <a:rPr lang="en-US" altLang="zh-CN" dirty="0"/>
+              <a:t>and</a:t>
+            </a:r>
+            <a:r>
+              <a:rPr lang="zh-CN" altLang="en-US" dirty="0"/>
+              <a:t> </a:t>
+            </a:r>
+            <a:r>
+              <a:rPr lang="en-US" altLang="zh-CN" dirty="0" err="1"/>
+              <a:t>bp</a:t>
+            </a:r>
+            <a:r>
+              <a:rPr lang="zh-CN" altLang="en-US" dirty="0"/>
+              <a:t> </a:t>
+            </a:r>
+            <a:r>
+              <a:rPr lang="en-US" altLang="zh-CN" dirty="0"/>
+              <a:t>significant</a:t>
+            </a:r>
+            <a:r>
+              <a:rPr lang="zh-CN" altLang="en-US" dirty="0"/>
+              <a:t> </a:t>
+            </a:r>
+            <a:r>
+              <a:rPr lang="en-US" altLang="zh-CN" dirty="0"/>
+              <a:t>are</a:t>
+            </a:r>
+            <a:r>
+              <a:rPr lang="zh-CN" altLang="en-US" dirty="0"/>
+              <a:t> </a:t>
+            </a:r>
+            <a:r>
+              <a:rPr lang="en-US" altLang="zh-CN" dirty="0"/>
+              <a:t>not</a:t>
+            </a:r>
+            <a:r>
+              <a:rPr lang="zh-CN" altLang="en-US" dirty="0"/>
+              <a:t> </a:t>
+            </a:r>
+            <a:r>
+              <a:rPr lang="en-US" altLang="zh-CN" dirty="0"/>
+              <a:t>significant</a:t>
+            </a:r>
+            <a:r>
+              <a:rPr lang="zh-CN" altLang="en-US" dirty="0"/>
+              <a:t> </a:t>
+            </a:r>
+            <a:r>
+              <a:rPr lang="en-US" altLang="zh-CN" dirty="0"/>
+              <a:t>important</a:t>
+            </a:r>
+            <a:r>
+              <a:rPr lang="zh-CN" altLang="en-US" dirty="0"/>
+              <a:t> </a:t>
+            </a:r>
+            <a:r>
+              <a:rPr lang="en-US" altLang="zh-CN" dirty="0"/>
+              <a:t>to</a:t>
+            </a:r>
+            <a:r>
+              <a:rPr lang="zh-CN" altLang="en-US" dirty="0"/>
+              <a:t> </a:t>
+            </a:r>
+            <a:r>
+              <a:rPr lang="en-US" altLang="zh-CN" dirty="0"/>
+              <a:t>the</a:t>
+            </a:r>
+            <a:r>
+              <a:rPr lang="zh-CN" altLang="en-US" dirty="0"/>
+              <a:t> </a:t>
+            </a:r>
+            <a:r>
+              <a:rPr lang="en-US" altLang="zh-CN" dirty="0"/>
+              <a:t>objective</a:t>
+            </a:r>
+            <a:r>
+              <a:rPr lang="zh-CN" altLang="en-US" dirty="0"/>
+              <a:t> </a:t>
+            </a:r>
+            <a:r>
+              <a:rPr lang="en-US" altLang="zh-CN" dirty="0"/>
+              <a:t>variable</a:t>
+            </a:r>
+            <a:r>
+              <a:rPr lang="zh-CN" altLang="en-US" dirty="0"/>
+              <a:t> </a:t>
+            </a:r>
+            <a:r>
+              <a:rPr lang="en-US" altLang="zh-CN" dirty="0"/>
+              <a:t>so</a:t>
+            </a:r>
+            <a:r>
+              <a:rPr lang="zh-CN" altLang="en-US" dirty="0"/>
+              <a:t> </a:t>
+            </a:r>
+            <a:r>
+              <a:rPr lang="en-US" altLang="zh-CN" dirty="0"/>
+              <a:t>we</a:t>
+            </a:r>
+            <a:r>
+              <a:rPr lang="zh-CN" altLang="en-US" dirty="0"/>
+              <a:t> </a:t>
+            </a:r>
+            <a:r>
+              <a:rPr lang="en-US" altLang="zh-CN" dirty="0"/>
+              <a:t>will</a:t>
+            </a:r>
+            <a:r>
+              <a:rPr lang="zh-CN" altLang="en-US" dirty="0"/>
+              <a:t> </a:t>
+            </a:r>
+            <a:r>
+              <a:rPr lang="en-US" altLang="zh-CN" dirty="0"/>
+              <a:t>no</a:t>
+            </a:r>
+            <a:r>
+              <a:rPr lang="zh-CN" altLang="en-US" dirty="0"/>
+              <a:t> </a:t>
+            </a:r>
+            <a:r>
+              <a:rPr lang="en-US" altLang="zh-CN" dirty="0"/>
+              <a:t>t</a:t>
+            </a:r>
+            <a:r>
+              <a:rPr lang="zh-CN" altLang="en-US" dirty="0"/>
+              <a:t> </a:t>
+            </a:r>
+            <a:r>
+              <a:rPr lang="en-US" altLang="zh-CN" dirty="0"/>
+              <a:t>make</a:t>
+            </a:r>
+            <a:r>
+              <a:rPr lang="zh-CN" altLang="en-US" dirty="0"/>
+              <a:t> </a:t>
+            </a:r>
+            <a:r>
+              <a:rPr lang="en-US" altLang="zh-CN" dirty="0"/>
+              <a:t>suggestion</a:t>
+            </a:r>
+            <a:r>
+              <a:rPr lang="zh-CN" altLang="en-US" dirty="0"/>
+              <a:t> </a:t>
+            </a:r>
+            <a:r>
+              <a:rPr lang="en-US" altLang="zh-CN" dirty="0"/>
+              <a:t>on</a:t>
+            </a:r>
+            <a:r>
+              <a:rPr lang="zh-CN" altLang="en-US" dirty="0"/>
+              <a:t> </a:t>
+            </a:r>
+            <a:r>
+              <a:rPr lang="en-US" altLang="zh-CN" dirty="0"/>
+              <a:t>these</a:t>
+            </a:r>
+            <a:r>
+              <a:rPr lang="zh-CN" altLang="en-US" dirty="0"/>
+              <a:t> </a:t>
+            </a:r>
+            <a:r>
+              <a:rPr lang="en-US" altLang="zh-CN" dirty="0"/>
+              <a:t>two</a:t>
+            </a:r>
+            <a:r>
+              <a:rPr lang="zh-CN" altLang="en-US" dirty="0"/>
+              <a:t> </a:t>
+            </a:r>
+            <a:r>
+              <a:rPr lang="en-US" altLang="zh-CN" dirty="0"/>
+              <a:t>variable.</a:t>
+            </a:r>
+          </a:p>
+          <a:p>
+            <a:r>
+              <a:rPr lang="en-US" altLang="zh-CN" dirty="0"/>
+              <a:t>Also</a:t>
+            </a:r>
+            <a:r>
+              <a:rPr lang="zh-CN" altLang="en-US" dirty="0"/>
+              <a:t> </a:t>
+            </a:r>
+            <a:r>
+              <a:rPr lang="en-US" altLang="zh-CN" dirty="0" err="1"/>
+              <a:t>nperg</a:t>
+            </a:r>
+            <a:r>
+              <a:rPr lang="zh-CN" altLang="en-US" dirty="0"/>
+              <a:t> </a:t>
+            </a:r>
+            <a:r>
+              <a:rPr lang="en-US" altLang="zh-CN" dirty="0"/>
+              <a:t>is</a:t>
+            </a:r>
+            <a:r>
+              <a:rPr lang="zh-CN" altLang="en-US" dirty="0"/>
+              <a:t> </a:t>
+            </a:r>
+            <a:r>
+              <a:rPr lang="en-US" altLang="zh-CN" dirty="0"/>
+              <a:t>a</a:t>
+            </a:r>
+            <a:r>
+              <a:rPr lang="zh-CN" altLang="en-US" dirty="0"/>
+              <a:t> </a:t>
+            </a:r>
+            <a:r>
+              <a:rPr lang="en-US" altLang="zh-CN" dirty="0"/>
+              <a:t>personal</a:t>
+            </a:r>
+            <a:r>
+              <a:rPr lang="zh-CN" altLang="en-US" dirty="0"/>
+              <a:t> </a:t>
+            </a:r>
+            <a:r>
+              <a:rPr lang="en-US" altLang="zh-CN" dirty="0"/>
+              <a:t>matter</a:t>
+            </a:r>
+            <a:r>
+              <a:rPr lang="zh-CN" altLang="en-US" dirty="0"/>
+              <a:t> </a:t>
+            </a:r>
+            <a:r>
+              <a:rPr lang="en-US" altLang="zh-CN" dirty="0"/>
+              <a:t>which</a:t>
+            </a:r>
+            <a:r>
+              <a:rPr lang="zh-CN" altLang="en-US" dirty="0"/>
+              <a:t> </a:t>
+            </a:r>
+            <a:r>
+              <a:rPr lang="en-US" altLang="zh-CN" dirty="0"/>
+              <a:t>is</a:t>
+            </a:r>
+            <a:r>
+              <a:rPr lang="zh-CN" altLang="en-US" dirty="0"/>
+              <a:t> </a:t>
+            </a:r>
+            <a:r>
+              <a:rPr lang="en-US" altLang="zh-CN" dirty="0"/>
+              <a:t>impropriate</a:t>
+            </a:r>
+            <a:r>
+              <a:rPr lang="zh-CN" altLang="en-US" dirty="0"/>
+              <a:t> </a:t>
+            </a:r>
+            <a:r>
+              <a:rPr lang="en-US" altLang="zh-CN" dirty="0"/>
+              <a:t>to</a:t>
+            </a:r>
+            <a:r>
+              <a:rPr lang="zh-CN" altLang="en-US" dirty="0"/>
+              <a:t> </a:t>
+            </a:r>
+            <a:r>
+              <a:rPr lang="en-US" altLang="zh-CN" dirty="0"/>
+              <a:t>make</a:t>
+            </a:r>
+            <a:r>
+              <a:rPr lang="zh-CN" altLang="en-US" dirty="0"/>
+              <a:t> </a:t>
+            </a:r>
+            <a:r>
+              <a:rPr lang="en-US" altLang="zh-CN" dirty="0"/>
+              <a:t>suggestion.</a:t>
+            </a:r>
+          </a:p>
+        </p:txBody>
+      </p:sp>
+      <p:pic>
+        <p:nvPicPr>
+          <p:cNvPr id="4" name="Picture 3">
+            <a:extLst>
+              <a:ext uri="{FF2B5EF4-FFF2-40B4-BE49-F238E27FC236}">
+                <a16:creationId xmlns:a16="http://schemas.microsoft.com/office/drawing/2014/main" id="{F1094049-30D2-F341-914F-BA02260CE8CB}"/>
+              </a:ext>
+            </a:extLst>
+          </p:cNvPr>
+          <p:cNvPicPr>
+            <a:picLocks noChangeAspect="1"/>
+          </p:cNvPicPr>
+          <p:nvPr/>
+        </p:nvPicPr>
+        <p:blipFill>
+          <a:blip r:embed="rId2"/>
+          <a:stretch>
+            <a:fillRect/>
+          </a:stretch>
+        </p:blipFill>
+        <p:spPr>
+          <a:xfrm>
+            <a:off x="0" y="1616065"/>
+            <a:ext cx="7113463" cy="3596016"/>
+          </a:xfrm>
+          <a:prstGeom prst="rect">
+            <a:avLst/>
+          </a:prstGeom>
+        </p:spPr>
+      </p:pic>
+    </p:spTree>
+    <p:extLst>
+      <p:ext uri="{BB962C8B-B14F-4D97-AF65-F5344CB8AC3E}">
+        <p14:creationId xmlns:p14="http://schemas.microsoft.com/office/powerpoint/2010/main" val="3628709049"/>
+      </p:ext>
+    </p:extLst>
+  </p:cSld>
+  <p:clrMapOvr>
+    <a:masterClrMapping/>
+  </p:clrMapOvr>
+</p:sld>
+</file>
+
+<file path=ppt/slides/slide14.xml><?xml version="1.0" encoding="utf-8"?>
+<p:sld xmlns:a="http://schemas.openxmlformats.org/drawingml/2006/main" xmlns:r="http://schemas.openxmlformats.org/officeDocument/2006/relationships" xmlns:p="http://schemas.openxmlformats.org/presentationml/2006/main">
+  <p:cSld>
+    <p:spTree>
+      <p:nvGrpSpPr>
+        <p:cNvPr id="1" name=""/>
+        <p:cNvGrpSpPr/>
+        <p:nvPr/>
+      </p:nvGrpSpPr>
+      <p:grpSpPr>
+        <a:xfrm>
+          <a:off x="0" y="0"/>
+          <a:ext cx="0" cy="0"/>
+          <a:chOff x="0" y="0"/>
+          <a:chExt cx="0" cy="0"/>
+        </a:xfrm>
+      </p:grpSpPr>
+      <p:sp>
+        <p:nvSpPr>
+          <p:cNvPr id="2" name="Title 1">
+            <a:extLst>
+              <a:ext uri="{FF2B5EF4-FFF2-40B4-BE49-F238E27FC236}">
+                <a16:creationId xmlns:a16="http://schemas.microsoft.com/office/drawing/2014/main" id="{62537686-F8AD-D144-8242-01013D24EFCB}"/>
+              </a:ext>
+            </a:extLst>
+          </p:cNvPr>
+          <p:cNvSpPr>
+            <a:spLocks noGrp="1"/>
+          </p:cNvSpPr>
+          <p:nvPr>
+            <p:ph type="title"/>
+          </p:nvPr>
+        </p:nvSpPr>
+        <p:spPr/>
+        <p:txBody>
+          <a:bodyPr/>
+          <a:lstStyle/>
+          <a:p>
+            <a:endParaRPr lang="en-US"/>
+          </a:p>
+        </p:txBody>
+      </p:sp>
+      <p:sp>
+        <p:nvSpPr>
+          <p:cNvPr id="3" name="Content Placeholder 2">
+            <a:extLst>
+              <a:ext uri="{FF2B5EF4-FFF2-40B4-BE49-F238E27FC236}">
+                <a16:creationId xmlns:a16="http://schemas.microsoft.com/office/drawing/2014/main" id="{04124A4A-8B26-E64B-BE14-1E6AFA7A7938}"/>
+              </a:ext>
+            </a:extLst>
+          </p:cNvPr>
+          <p:cNvSpPr>
+            <a:spLocks noGrp="1"/>
+          </p:cNvSpPr>
+          <p:nvPr>
+            <p:ph idx="1"/>
+          </p:nvPr>
+        </p:nvSpPr>
+        <p:spPr/>
+        <p:txBody>
+          <a:bodyPr/>
+          <a:lstStyle/>
+          <a:p>
+            <a:endParaRPr lang="en-US"/>
+          </a:p>
+        </p:txBody>
+      </p:sp>
+    </p:spTree>
+    <p:extLst>
+      <p:ext uri="{BB962C8B-B14F-4D97-AF65-F5344CB8AC3E}">
+        <p14:creationId xmlns:p14="http://schemas.microsoft.com/office/powerpoint/2010/main" val="3502366702"/>
       </p:ext>
     </p:extLst>
   </p:cSld>
